--- a/slides/aula_02.pptx
+++ b/slides/aula_02.pptx
@@ -3679,7 +3679,7 @@
               <a:buNone/>
             </a:pPr>
             <a:r>
-              <a:rPr lang="pt-BR" sz="2800" smtClean="0"/>
+              <a:rPr lang="pt-BR" sz="2800" dirty="0" err="1" smtClean="0"/>
               <a:t>php</a:t>
             </a:r>
             <a:r>
